--- a/Reference/HelpScene.pptx
+++ b/Reference/HelpScene.pptx
@@ -3332,7 +3332,7 @@
     <p:bg>
       <p:bgPr>
         <a:solidFill>
-          <a:srgbClr val="FFE699"/>
+          <a:srgbClr val="FFE4C4"/>
         </a:solidFill>
         <a:effectLst/>
       </p:bgPr>
@@ -3365,8 +3365,8 @@
         </p:nvSpPr>
         <p:spPr>
           <a:xfrm>
-            <a:off x="440268" y="406400"/>
-            <a:ext cx="6265332" cy="6463308"/>
+            <a:off x="238932" y="406400"/>
+            <a:ext cx="6265332" cy="5909310"/>
           </a:xfrm>
           <a:prstGeom prst="rect">
             <a:avLst/>
@@ -3475,12 +3475,6 @@
             <a:r>
               <a:rPr lang="en-CA" dirty="0"/>
               <a:t>If you collect 20 points, you clear the level and move on to the next level.</a:t>
-            </a:r>
-          </a:p>
-          <a:p>
-            <a:r>
-              <a:rPr lang="en-CA" dirty="0"/>
-              <a:t>Each fifth level, you can earn bomb to use. (e.g. Level 5 = 1 Bomb, Level 10 = 2 Bomb)</a:t>
             </a:r>
           </a:p>
         </p:txBody>
@@ -3513,7 +3507,7 @@
         </p:blipFill>
         <p:spPr>
           <a:xfrm>
-            <a:off x="1945577" y="2347142"/>
+            <a:off x="1744241" y="2347142"/>
             <a:ext cx="360000" cy="360000"/>
           </a:xfrm>
           <a:prstGeom prst="rect">
@@ -3549,7 +3543,7 @@
         </p:blipFill>
         <p:spPr>
           <a:xfrm>
-            <a:off x="1945577" y="1792628"/>
+            <a:off x="1744241" y="1792628"/>
             <a:ext cx="360000" cy="360000"/>
           </a:xfrm>
           <a:prstGeom prst="rect">
@@ -3585,7 +3579,7 @@
         </p:blipFill>
         <p:spPr>
           <a:xfrm>
-            <a:off x="1945577" y="3429000"/>
+            <a:off x="1744241" y="3429000"/>
             <a:ext cx="360000" cy="360000"/>
           </a:xfrm>
           <a:prstGeom prst="rect">
@@ -3621,7 +3615,7 @@
         </p:blipFill>
         <p:spPr>
           <a:xfrm>
-            <a:off x="1945577" y="2901656"/>
+            <a:off x="1744241" y="2901656"/>
             <a:ext cx="360000" cy="360000"/>
           </a:xfrm>
           <a:prstGeom prst="rect">
@@ -3643,8 +3637,8 @@
         </p:nvSpPr>
         <p:spPr>
           <a:xfrm>
-            <a:off x="6444343" y="406400"/>
-            <a:ext cx="5747657" cy="5786199"/>
+            <a:off x="6243007" y="406400"/>
+            <a:ext cx="5747657" cy="6340197"/>
           </a:xfrm>
           <a:prstGeom prst="rect">
             <a:avLst/>
@@ -3688,8 +3682,14 @@
           </a:p>
           <a:p>
             <a:r>
-              <a:rPr lang="en-CA" dirty="0"/>
+              <a:rPr lang="en-CA" u="sng" dirty="0"/>
               <a:t>If you hit start new game, the saved level and score will be initialized and overridden. </a:t>
+            </a:r>
+          </a:p>
+          <a:p>
+            <a:r>
+              <a:rPr lang="en-CA" u="sng" dirty="0"/>
+              <a:t>If you lost the previous game, you can’t load game and a new game will start</a:t>
             </a:r>
           </a:p>
           <a:p>
@@ -3754,13 +3754,13 @@
           <p:nvPr>
             <p:extLst>
               <p:ext uri="{D42A27DB-BD31-4B8C-83A1-F6EECF244321}">
-                <p14:modId xmlns:p14="http://schemas.microsoft.com/office/powerpoint/2010/main" val="3574235890"/>
+                <p14:modId xmlns:p14="http://schemas.microsoft.com/office/powerpoint/2010/main" val="1551911604"/>
               </p:ext>
             </p:extLst>
           </p:nvPr>
         </p:nvGraphicFramePr>
         <p:xfrm>
-          <a:off x="6813066" y="4288854"/>
+          <a:off x="6611730" y="4898455"/>
           <a:ext cx="4595950" cy="1183081"/>
         </p:xfrm>
         <a:graphic>
@@ -4221,7 +4221,7 @@
         </p:blipFill>
         <p:spPr bwMode="auto">
           <a:xfrm>
-            <a:off x="6813989" y="4471742"/>
+            <a:off x="6612653" y="5081343"/>
             <a:ext cx="1001992" cy="777862"/>
           </a:xfrm>
           <a:prstGeom prst="rect">
@@ -4268,7 +4268,7 @@
         </p:blipFill>
         <p:spPr bwMode="auto">
           <a:xfrm>
-            <a:off x="7902600" y="4456006"/>
+            <a:off x="7701264" y="5065607"/>
             <a:ext cx="988807" cy="830598"/>
           </a:xfrm>
           <a:prstGeom prst="rect">
@@ -4315,7 +4315,7 @@
         </p:blipFill>
         <p:spPr bwMode="auto">
           <a:xfrm>
-            <a:off x="9355452" y="4521769"/>
+            <a:off x="9154116" y="5131370"/>
             <a:ext cx="770236" cy="677808"/>
           </a:xfrm>
           <a:prstGeom prst="rect">
@@ -4362,7 +4362,7 @@
         </p:blipFill>
         <p:spPr bwMode="auto">
           <a:xfrm>
-            <a:off x="10459247" y="4448292"/>
+            <a:off x="10257911" y="5057893"/>
             <a:ext cx="770237" cy="780372"/>
           </a:xfrm>
           <a:prstGeom prst="rect">
@@ -4399,7 +4399,7 @@
     <p:bg>
       <p:bgPr>
         <a:solidFill>
-          <a:srgbClr val="FFE699"/>
+          <a:srgbClr val="FFE4C4"/>
         </a:solidFill>
         <a:effectLst/>
       </p:bgPr>
@@ -4433,7 +4433,7 @@
         <p:spPr>
           <a:xfrm>
             <a:off x="440268" y="406400"/>
-            <a:ext cx="6265332" cy="7294305"/>
+            <a:ext cx="6265332" cy="5355312"/>
           </a:xfrm>
           <a:prstGeom prst="rect">
             <a:avLst/>
@@ -4475,21 +4475,55 @@
           <a:p>
             <a:r>
               <a:rPr lang="en-CA" dirty="0"/>
-              <a:t>If an enemy hit the castle</a:t>
-            </a:r>
-            <a:r>
-              <a:rPr lang="en-CA"/>
-              <a:t>, you’ll lose.</a:t>
-            </a:r>
+              <a:t>If an enemy hit the castle, you’ll lose.</a:t>
+            </a:r>
+          </a:p>
+          <a:p>
             <a:endParaRPr lang="en-CA" dirty="0"/>
           </a:p>
           <a:p>
+            <a:r>
+              <a:rPr lang="en-CA" b="1" dirty="0"/>
+              <a:t>10. Bomb</a:t>
+            </a:r>
+          </a:p>
+          <a:p>
+            <a:r>
+              <a:rPr lang="en-CA" dirty="0"/>
+              <a:t>Bomb clears all the enemies on the field, but the score will not be increased.</a:t>
+            </a:r>
+          </a:p>
+          <a:p>
+            <a:r>
+              <a:rPr lang="en-CA" dirty="0"/>
+              <a:t>Each fifth level, you can earn one bomb to use.</a:t>
+            </a:r>
+          </a:p>
+          <a:p>
+            <a:r>
+              <a:rPr lang="en-CA" dirty="0"/>
+              <a:t>(e.g. Level 5 = 1 Bomb, Level 10 = 2 Bomb)</a:t>
+            </a:r>
+          </a:p>
+          <a:p>
             <a:endParaRPr lang="en-CA" dirty="0"/>
           </a:p>
           <a:p>
             <a:r>
+              <a:rPr lang="en-CA" b="1" dirty="0"/>
+              <a:t>11. Ready to play?</a:t>
+            </a:r>
+          </a:p>
+          <a:p>
+            <a:r>
               <a:rPr lang="en-CA" dirty="0"/>
-              <a:t>Pause: </a:t>
+              <a:t>If you have any other questions on this game, send an email: </a:t>
+            </a:r>
+          </a:p>
+          <a:p>
+            <a:r>
+              <a:rPr lang="en-CA" dirty="0"/>
+              <a:t>jyang2918@conestogac.on.ca</a:t>
             </a:r>
           </a:p>
           <a:p>
@@ -4497,665 +4531,12 @@
           </a:p>
           <a:p>
             <a:r>
-              <a:rPr lang="en-CA" dirty="0"/>
-              <a:t>Aim: </a:t>
-            </a:r>
-          </a:p>
-          <a:p>
-            <a:endParaRPr lang="en-CA" dirty="0"/>
-          </a:p>
-          <a:p>
-            <a:r>
-              <a:rPr lang="en-CA" dirty="0"/>
-              <a:t>Shoot Arrow: 	 Click charge and release</a:t>
-            </a:r>
-          </a:p>
-          <a:p>
-            <a:endParaRPr lang="en-CA" dirty="0"/>
-          </a:p>
-          <a:p>
-            <a:r>
-              <a:rPr lang="en-CA" dirty="0"/>
-              <a:t>Bomb: </a:t>
-            </a:r>
-          </a:p>
-          <a:p>
-            <a:endParaRPr lang="en-CA" dirty="0"/>
-          </a:p>
-          <a:p>
-            <a:r>
               <a:rPr lang="en-CA" b="1" dirty="0"/>
-              <a:t>3. How to Play</a:t>
-            </a:r>
-          </a:p>
-          <a:p>
-            <a:r>
-              <a:rPr lang="en-CA" dirty="0"/>
-              <a:t>You need to enter a unique player name before start.</a:t>
-            </a:r>
-          </a:p>
-          <a:p>
-            <a:r>
-              <a:rPr lang="en-CA" dirty="0"/>
-              <a:t>You can eliminate enemies by shooting arrows.</a:t>
-            </a:r>
-          </a:p>
-          <a:p>
-            <a:endParaRPr lang="en-CA" b="1" dirty="0"/>
-          </a:p>
-          <a:p>
-            <a:r>
-              <a:rPr lang="en-CA" b="1" dirty="0"/>
-              <a:t>4. Level &amp; Score System</a:t>
-            </a:r>
-          </a:p>
-          <a:p>
-            <a:r>
-              <a:rPr lang="en-CA" dirty="0"/>
-              <a:t>Starts with level 1 Score 0. One enemy by one point. </a:t>
-            </a:r>
-          </a:p>
-          <a:p>
-            <a:r>
-              <a:rPr lang="en-CA" dirty="0"/>
-              <a:t>If you collect 20 points, you clear the level and move on to the next level.</a:t>
-            </a:r>
-          </a:p>
-          <a:p>
-            <a:r>
-              <a:rPr lang="en-CA" dirty="0"/>
-              <a:t>Each fifth level, you can earn bomb to use. (e.g. Level 5 = 1 Bomb, Level 10 = 2 Bomb)</a:t>
-            </a:r>
-          </a:p>
-        </p:txBody>
-      </p:sp>
-      <p:sp>
-        <p:nvSpPr>
-          <p:cNvPr id="13" name="TextBox 12">
-            <a:extLst>
-              <a:ext uri="{FF2B5EF4-FFF2-40B4-BE49-F238E27FC236}">
-                <a16:creationId xmlns:a16="http://schemas.microsoft.com/office/drawing/2014/main" id="{C1B91594-317D-4662-A32B-522FB418E708}"/>
-              </a:ext>
-            </a:extLst>
-          </p:cNvPr>
-          <p:cNvSpPr txBox="1"/>
-          <p:nvPr/>
-        </p:nvSpPr>
-        <p:spPr>
-          <a:xfrm>
-            <a:off x="6444343" y="406400"/>
-            <a:ext cx="5747657" cy="6340197"/>
-          </a:xfrm>
-          <a:prstGeom prst="rect">
-            <a:avLst/>
-          </a:prstGeom>
-          <a:noFill/>
-        </p:spPr>
-        <p:txBody>
-          <a:bodyPr wrap="square" rtlCol="0">
-            <a:spAutoFit/>
-          </a:bodyPr>
-          <a:lstStyle/>
-          <a:p>
-            <a:r>
-              <a:rPr lang="en-CA" b="1" dirty="0"/>
-              <a:t>5. Save Game &amp; Load Game</a:t>
-            </a:r>
-          </a:p>
-          <a:p>
-            <a:r>
-              <a:rPr lang="en-CA" dirty="0"/>
-              <a:t>Player name, level, and score are saved automatically to the file CastleDefenseSave.txt.</a:t>
-            </a:r>
-          </a:p>
-          <a:p>
-            <a:r>
-              <a:rPr lang="en-CA" dirty="0"/>
-              <a:t>When you create a Player Name, it initialize with Level 1 and Score 0.</a:t>
-            </a:r>
-          </a:p>
-          <a:p>
-            <a:r>
-              <a:rPr lang="en-CA" dirty="0"/>
-              <a:t>You can load your saved level and score through load game.</a:t>
-            </a:r>
-          </a:p>
-          <a:p>
-            <a:r>
-              <a:rPr lang="en-CA" dirty="0"/>
-              <a:t>If you don’t have any game, the new game will start.</a:t>
-            </a:r>
-          </a:p>
-          <a:p>
-            <a:r>
-              <a:rPr lang="en-CA" dirty="0"/>
-              <a:t>If you hit start new game, the saved level and score will be initialized and overridden. </a:t>
-            </a:r>
-          </a:p>
-          <a:p>
-            <a:endParaRPr lang="en-CA" dirty="0"/>
-          </a:p>
-          <a:p>
-            <a:r>
-              <a:rPr lang="en-CA" b="1" dirty="0"/>
-              <a:t>6. High Score</a:t>
-            </a:r>
-          </a:p>
-          <a:p>
-            <a:r>
-              <a:rPr lang="en-CA" dirty="0"/>
-              <a:t>You can check the top 5 high score on High Score Screen.</a:t>
-            </a:r>
-          </a:p>
-          <a:p>
-            <a:endParaRPr lang="en-CA" dirty="0"/>
-          </a:p>
-          <a:p>
-            <a:r>
-              <a:rPr lang="en-CA" b="1" dirty="0"/>
-              <a:t>7. Enemies</a:t>
-            </a:r>
-          </a:p>
-          <a:p>
-            <a:endParaRPr lang="en-CA" b="1" dirty="0"/>
-          </a:p>
-          <a:p>
-            <a:endParaRPr lang="en-CA" b="1" dirty="0"/>
-          </a:p>
-          <a:p>
-            <a:endParaRPr lang="en-CA" b="1" dirty="0"/>
-          </a:p>
-          <a:p>
-            <a:endParaRPr lang="en-CA" sz="1000" dirty="0"/>
-          </a:p>
-          <a:p>
-            <a:r>
-              <a:rPr lang="en-CA" dirty="0"/>
-              <a:t>Enemy’s position is random. Moving speed can be increased according to the level you are in.</a:t>
-            </a:r>
-          </a:p>
-          <a:p>
-            <a:endParaRPr lang="en-CA" b="1" dirty="0"/>
-          </a:p>
-          <a:p>
-            <a:r>
-              <a:rPr lang="en-CA" b="1" dirty="0"/>
-              <a:t>8. Archer &amp; Arrow</a:t>
-            </a:r>
-          </a:p>
-          <a:p>
-            <a:endParaRPr lang="en-CA" dirty="0"/>
-          </a:p>
-        </p:txBody>
-      </p:sp>
-      <p:graphicFrame>
-        <p:nvGraphicFramePr>
-          <p:cNvPr id="15" name="Table 14">
-            <a:extLst>
-              <a:ext uri="{FF2B5EF4-FFF2-40B4-BE49-F238E27FC236}">
-                <a16:creationId xmlns:a16="http://schemas.microsoft.com/office/drawing/2014/main" id="{2D47AFEB-9F5D-49D4-8749-AA7F2DAECDD5}"/>
-              </a:ext>
-            </a:extLst>
-          </p:cNvPr>
-          <p:cNvGraphicFramePr>
-            <a:graphicFrameLocks noGrp="1"/>
-          </p:cNvGraphicFramePr>
-          <p:nvPr/>
-        </p:nvGraphicFramePr>
-        <p:xfrm>
-          <a:off x="6813066" y="4288854"/>
-          <a:ext cx="4595950" cy="910723"/>
-        </p:xfrm>
-        <a:graphic>
-          <a:graphicData uri="http://schemas.openxmlformats.org/drawingml/2006/table">
-            <a:tbl>
-              <a:tblPr firstRow="1" firstCol="1" bandRow="1">
-                <a:tableStyleId>{5940675A-B579-460E-94D1-54222C63F5DA}</a:tableStyleId>
-              </a:tblPr>
-              <a:tblGrid>
-                <a:gridCol w="1067637">
-                  <a:extLst>
-                    <a:ext uri="{9D8B030D-6E8A-4147-A177-3AD203B41FA5}">
-                      <a16:colId xmlns:a16="http://schemas.microsoft.com/office/drawing/2014/main" val="3402677687"/>
-                    </a:ext>
-                  </a:extLst>
-                </a:gridCol>
-                <a:gridCol w="1229618">
-                  <a:extLst>
-                    <a:ext uri="{9D8B030D-6E8A-4147-A177-3AD203B41FA5}">
-                      <a16:colId xmlns:a16="http://schemas.microsoft.com/office/drawing/2014/main" val="361256569"/>
-                    </a:ext>
-                  </a:extLst>
-                </a:gridCol>
-                <a:gridCol w="1231058">
-                  <a:extLst>
-                    <a:ext uri="{9D8B030D-6E8A-4147-A177-3AD203B41FA5}">
-                      <a16:colId xmlns:a16="http://schemas.microsoft.com/office/drawing/2014/main" val="256117906"/>
-                    </a:ext>
-                  </a:extLst>
-                </a:gridCol>
-                <a:gridCol w="1067637">
-                  <a:extLst>
-                    <a:ext uri="{9D8B030D-6E8A-4147-A177-3AD203B41FA5}">
-                      <a16:colId xmlns:a16="http://schemas.microsoft.com/office/drawing/2014/main" val="1202910792"/>
-                    </a:ext>
-                  </a:extLst>
-                </a:gridCol>
-              </a:tblGrid>
-              <a:tr h="195771">
-                <a:tc>
-                  <a:txBody>
-                    <a:bodyPr/>
-                    <a:lstStyle/>
-                    <a:p>
-                      <a:pPr algn="ctr">
-                        <a:lnSpc>
-                          <a:spcPct val="107000"/>
-                        </a:lnSpc>
-                        <a:spcAft>
-                          <a:spcPts val="800"/>
-                        </a:spcAft>
-                      </a:pPr>
-                      <a:r>
-                        <a:rPr lang="en-CA" sz="1200" dirty="0">
-                          <a:effectLst/>
-                        </a:rPr>
-                        <a:t>Red Bat</a:t>
-                      </a:r>
-                      <a:endParaRPr lang="en-CA" sz="1200" dirty="0">
-                        <a:effectLst/>
-                        <a:latin typeface="Calibri" panose="020F0502020204030204" pitchFamily="34" charset="0"/>
-                        <a:ea typeface="Malgun Gothic" panose="020B0503020000020004" pitchFamily="34" charset="-127"/>
-                        <a:cs typeface="Times New Roman" panose="02020603050405020304" pitchFamily="18" charset="0"/>
-                      </a:endParaRPr>
-                    </a:p>
-                  </a:txBody>
-                  <a:tcPr marL="68580" marR="68580" marT="0" marB="0" anchor="ctr"/>
-                </a:tc>
-                <a:tc>
-                  <a:txBody>
-                    <a:bodyPr/>
-                    <a:lstStyle/>
-                    <a:p>
-                      <a:pPr algn="ctr">
-                        <a:lnSpc>
-                          <a:spcPct val="107000"/>
-                        </a:lnSpc>
-                        <a:spcAft>
-                          <a:spcPts val="800"/>
-                        </a:spcAft>
-                      </a:pPr>
-                      <a:r>
-                        <a:rPr lang="en-CA" sz="1200" dirty="0">
-                          <a:effectLst/>
-                        </a:rPr>
-                        <a:t>Samurai</a:t>
-                      </a:r>
-                      <a:endParaRPr lang="en-CA" sz="1200" dirty="0">
-                        <a:effectLst/>
-                        <a:latin typeface="Calibri" panose="020F0502020204030204" pitchFamily="34" charset="0"/>
-                        <a:ea typeface="Malgun Gothic" panose="020B0503020000020004" pitchFamily="34" charset="-127"/>
-                        <a:cs typeface="Times New Roman" panose="02020603050405020304" pitchFamily="18" charset="0"/>
-                      </a:endParaRPr>
-                    </a:p>
-                  </a:txBody>
-                  <a:tcPr marL="68580" marR="68580" marT="0" marB="0" anchor="ctr"/>
-                </a:tc>
-                <a:tc>
-                  <a:txBody>
-                    <a:bodyPr/>
-                    <a:lstStyle/>
-                    <a:p>
-                      <a:pPr algn="ctr">
-                        <a:lnSpc>
-                          <a:spcPct val="107000"/>
-                        </a:lnSpc>
-                        <a:spcAft>
-                          <a:spcPts val="800"/>
-                        </a:spcAft>
-                      </a:pPr>
-                      <a:r>
-                        <a:rPr lang="en-CA" sz="1200" dirty="0">
-                          <a:effectLst/>
-                        </a:rPr>
-                        <a:t>Normal Zombie</a:t>
-                      </a:r>
-                      <a:endParaRPr lang="en-CA" sz="1200" dirty="0">
-                        <a:effectLst/>
-                        <a:latin typeface="Calibri" panose="020F0502020204030204" pitchFamily="34" charset="0"/>
-                        <a:ea typeface="Malgun Gothic" panose="020B0503020000020004" pitchFamily="34" charset="-127"/>
-                        <a:cs typeface="Times New Roman" panose="02020603050405020304" pitchFamily="18" charset="0"/>
-                      </a:endParaRPr>
-                    </a:p>
-                  </a:txBody>
-                  <a:tcPr marL="68580" marR="68580" marT="0" marB="0" anchor="ctr"/>
-                </a:tc>
-                <a:tc>
-                  <a:txBody>
-                    <a:bodyPr/>
-                    <a:lstStyle/>
-                    <a:p>
-                      <a:pPr algn="ctr">
-                        <a:lnSpc>
-                          <a:spcPct val="107000"/>
-                        </a:lnSpc>
-                        <a:spcAft>
-                          <a:spcPts val="800"/>
-                        </a:spcAft>
-                      </a:pPr>
-                      <a:r>
-                        <a:rPr lang="en-CA" sz="1200" dirty="0">
-                          <a:effectLst/>
-                        </a:rPr>
-                        <a:t>Mad Zombie</a:t>
-                      </a:r>
-                      <a:endParaRPr lang="en-CA" sz="1200" dirty="0">
-                        <a:effectLst/>
-                        <a:latin typeface="Calibri" panose="020F0502020204030204" pitchFamily="34" charset="0"/>
-                        <a:ea typeface="Malgun Gothic" panose="020B0503020000020004" pitchFamily="34" charset="-127"/>
-                        <a:cs typeface="Times New Roman" panose="02020603050405020304" pitchFamily="18" charset="0"/>
-                      </a:endParaRPr>
-                    </a:p>
-                  </a:txBody>
-                  <a:tcPr marL="68580" marR="68580" marT="0" marB="0" anchor="ctr"/>
-                </a:tc>
-                <a:extLst>
-                  <a:ext uri="{0D108BD9-81ED-4DB2-BD59-A6C34878D82A}">
-                    <a16:rowId xmlns:a16="http://schemas.microsoft.com/office/drawing/2014/main" val="3268046552"/>
-                  </a:ext>
-                </a:extLst>
-              </a:tr>
-              <a:tr h="714952">
-                <a:tc>
-                  <a:txBody>
-                    <a:bodyPr/>
-                    <a:lstStyle/>
-                    <a:p>
-                      <a:pPr algn="ctr">
-                        <a:lnSpc>
-                          <a:spcPct val="107000"/>
-                        </a:lnSpc>
-                        <a:spcAft>
-                          <a:spcPts val="800"/>
-                        </a:spcAft>
-                      </a:pPr>
-                      <a:endParaRPr lang="en-CA" sz="1100" dirty="0">
-                        <a:effectLst/>
-                        <a:latin typeface="Arial" panose="020B0604020202020204" pitchFamily="34" charset="0"/>
-                        <a:ea typeface="Malgun Gothic" panose="020B0503020000020004" pitchFamily="34" charset="-127"/>
-                        <a:cs typeface="Times New Roman" panose="02020603050405020304" pitchFamily="18" charset="0"/>
-                      </a:endParaRPr>
-                    </a:p>
-                  </a:txBody>
-                  <a:tcPr marL="68580" marR="68580" marT="0" marB="0" anchor="ctr"/>
-                </a:tc>
-                <a:tc>
-                  <a:txBody>
-                    <a:bodyPr/>
-                    <a:lstStyle/>
-                    <a:p>
-                      <a:pPr algn="ctr">
-                        <a:lnSpc>
-                          <a:spcPct val="107000"/>
-                        </a:lnSpc>
-                        <a:spcAft>
-                          <a:spcPts val="800"/>
-                        </a:spcAft>
-                      </a:pPr>
-                      <a:endParaRPr lang="en-CA" sz="1100" dirty="0">
-                        <a:effectLst/>
-                        <a:latin typeface="Arial" panose="020B0604020202020204" pitchFamily="34" charset="0"/>
-                        <a:ea typeface="Malgun Gothic" panose="020B0503020000020004" pitchFamily="34" charset="-127"/>
-                        <a:cs typeface="Times New Roman" panose="02020603050405020304" pitchFamily="18" charset="0"/>
-                      </a:endParaRPr>
-                    </a:p>
-                  </a:txBody>
-                  <a:tcPr marL="68580" marR="68580" marT="0" marB="0" anchor="ctr"/>
-                </a:tc>
-                <a:tc>
-                  <a:txBody>
-                    <a:bodyPr/>
-                    <a:lstStyle/>
-                    <a:p>
-                      <a:pPr algn="ctr">
-                        <a:lnSpc>
-                          <a:spcPct val="107000"/>
-                        </a:lnSpc>
-                        <a:spcAft>
-                          <a:spcPts val="800"/>
-                        </a:spcAft>
-                      </a:pPr>
-                      <a:endParaRPr lang="en-CA" sz="1100">
-                        <a:effectLst/>
-                        <a:latin typeface="Arial" panose="020B0604020202020204" pitchFamily="34" charset="0"/>
-                        <a:ea typeface="Malgun Gothic" panose="020B0503020000020004" pitchFamily="34" charset="-127"/>
-                        <a:cs typeface="Times New Roman" panose="02020603050405020304" pitchFamily="18" charset="0"/>
-                      </a:endParaRPr>
-                    </a:p>
-                  </a:txBody>
-                  <a:tcPr marL="68580" marR="68580" marT="0" marB="0" anchor="ctr"/>
-                </a:tc>
-                <a:tc>
-                  <a:txBody>
-                    <a:bodyPr/>
-                    <a:lstStyle/>
-                    <a:p>
-                      <a:pPr algn="ctr">
-                        <a:lnSpc>
-                          <a:spcPct val="107000"/>
-                        </a:lnSpc>
-                        <a:spcAft>
-                          <a:spcPts val="800"/>
-                        </a:spcAft>
-                      </a:pPr>
-                      <a:endParaRPr lang="en-CA" sz="1100" dirty="0">
-                        <a:effectLst/>
-                        <a:latin typeface="Arial" panose="020B0604020202020204" pitchFamily="34" charset="0"/>
-                        <a:ea typeface="Malgun Gothic" panose="020B0503020000020004" pitchFamily="34" charset="-127"/>
-                        <a:cs typeface="Times New Roman" panose="02020603050405020304" pitchFamily="18" charset="0"/>
-                      </a:endParaRPr>
-                    </a:p>
-                  </a:txBody>
-                  <a:tcPr marL="68580" marR="68580" marT="0" marB="0" anchor="ctr"/>
-                </a:tc>
-                <a:extLst>
-                  <a:ext uri="{0D108BD9-81ED-4DB2-BD59-A6C34878D82A}">
-                    <a16:rowId xmlns:a16="http://schemas.microsoft.com/office/drawing/2014/main" val="2165513135"/>
-                  </a:ext>
-                </a:extLst>
-              </a:tr>
-            </a:tbl>
-          </a:graphicData>
-        </a:graphic>
-      </p:graphicFrame>
-      <p:pic>
-        <p:nvPicPr>
-          <p:cNvPr id="1032" name="Picture 21" descr="Logo&#10;&#10;Description automatically generated">
-            <a:extLst>
-              <a:ext uri="{FF2B5EF4-FFF2-40B4-BE49-F238E27FC236}">
-                <a16:creationId xmlns:a16="http://schemas.microsoft.com/office/drawing/2014/main" id="{8EC549FF-9493-456D-9063-69D897ACC2AC}"/>
-              </a:ext>
-            </a:extLst>
-          </p:cNvPr>
-          <p:cNvPicPr>
-            <a:picLocks noChangeAspect="1" noChangeArrowheads="1"/>
-          </p:cNvPicPr>
-          <p:nvPr/>
-        </p:nvPicPr>
-        <p:blipFill>
-          <a:blip r:embed="rId2">
-            <a:extLst>
-              <a:ext uri="{28A0092B-C50C-407E-A947-70E740481C1C}">
-                <a14:useLocalDpi xmlns:a14="http://schemas.microsoft.com/office/drawing/2010/main" val="0"/>
-              </a:ext>
-            </a:extLst>
-          </a:blip>
-          <a:srcRect/>
-          <a:stretch>
-            <a:fillRect/>
-          </a:stretch>
-        </p:blipFill>
-        <p:spPr bwMode="auto">
-          <a:xfrm>
-            <a:off x="6813989" y="4471742"/>
-            <a:ext cx="1001992" cy="777862"/>
-          </a:xfrm>
-          <a:prstGeom prst="rect">
-            <a:avLst/>
-          </a:prstGeom>
-          <a:noFill/>
-          <a:extLst>
-            <a:ext uri="{909E8E84-426E-40DD-AFC4-6F175D3DCCD1}">
-              <a14:hiddenFill xmlns:a14="http://schemas.microsoft.com/office/drawing/2010/main">
-                <a:solidFill>
-                  <a:srgbClr val="FFFFFF"/>
-                </a:solidFill>
-              </a14:hiddenFill>
-            </a:ext>
-          </a:extLst>
-        </p:spPr>
-      </p:pic>
-      <p:pic>
-        <p:nvPicPr>
-          <p:cNvPr id="1031" name="Picture 23" descr="A person holding a knife&#10;&#10;Description automatically generated with medium confidence">
-            <a:extLst>
-              <a:ext uri="{FF2B5EF4-FFF2-40B4-BE49-F238E27FC236}">
-                <a16:creationId xmlns:a16="http://schemas.microsoft.com/office/drawing/2014/main" id="{5FFB3D10-23AB-431C-AD3A-321F8C014131}"/>
-              </a:ext>
-            </a:extLst>
-          </p:cNvPr>
-          <p:cNvPicPr>
-            <a:picLocks noChangeAspect="1" noChangeArrowheads="1"/>
-          </p:cNvPicPr>
-          <p:nvPr/>
-        </p:nvPicPr>
-        <p:blipFill>
-          <a:blip r:embed="rId3">
-            <a:extLst>
-              <a:ext uri="{28A0092B-C50C-407E-A947-70E740481C1C}">
-                <a14:useLocalDpi xmlns:a14="http://schemas.microsoft.com/office/drawing/2010/main" val="0"/>
-              </a:ext>
-            </a:extLst>
-          </a:blip>
-          <a:srcRect/>
-          <a:stretch>
-            <a:fillRect/>
-          </a:stretch>
-        </p:blipFill>
-        <p:spPr bwMode="auto">
-          <a:xfrm>
-            <a:off x="7902600" y="4456006"/>
-            <a:ext cx="988807" cy="830598"/>
-          </a:xfrm>
-          <a:prstGeom prst="rect">
-            <a:avLst/>
-          </a:prstGeom>
-          <a:noFill/>
-          <a:extLst>
-            <a:ext uri="{909E8E84-426E-40DD-AFC4-6F175D3DCCD1}">
-              <a14:hiddenFill xmlns:a14="http://schemas.microsoft.com/office/drawing/2010/main">
-                <a:solidFill>
-                  <a:srgbClr val="FFFFFF"/>
-                </a:solidFill>
-              </a14:hiddenFill>
-            </a:ext>
-          </a:extLst>
-        </p:spPr>
-      </p:pic>
-      <p:pic>
-        <p:nvPicPr>
-          <p:cNvPr id="1030" name="Picture 26" descr="Shape&#10;&#10;Description automatically generated">
-            <a:extLst>
-              <a:ext uri="{FF2B5EF4-FFF2-40B4-BE49-F238E27FC236}">
-                <a16:creationId xmlns:a16="http://schemas.microsoft.com/office/drawing/2014/main" id="{C5E1F85C-6DFE-46FF-BE13-EE8B8BC5ABD2}"/>
-              </a:ext>
-            </a:extLst>
-          </p:cNvPr>
-          <p:cNvPicPr>
-            <a:picLocks noChangeAspect="1" noChangeArrowheads="1"/>
-          </p:cNvPicPr>
-          <p:nvPr/>
-        </p:nvPicPr>
-        <p:blipFill>
-          <a:blip r:embed="rId4">
-            <a:extLst>
-              <a:ext uri="{28A0092B-C50C-407E-A947-70E740481C1C}">
-                <a14:useLocalDpi xmlns:a14="http://schemas.microsoft.com/office/drawing/2010/main" val="0"/>
-              </a:ext>
-            </a:extLst>
-          </a:blip>
-          <a:srcRect/>
-          <a:stretch>
-            <a:fillRect/>
-          </a:stretch>
-        </p:blipFill>
-        <p:spPr bwMode="auto">
-          <a:xfrm>
-            <a:off x="9355452" y="4521769"/>
-            <a:ext cx="770236" cy="677808"/>
-          </a:xfrm>
-          <a:prstGeom prst="rect">
-            <a:avLst/>
-          </a:prstGeom>
-          <a:noFill/>
-          <a:extLst>
-            <a:ext uri="{909E8E84-426E-40DD-AFC4-6F175D3DCCD1}">
-              <a14:hiddenFill xmlns:a14="http://schemas.microsoft.com/office/drawing/2010/main">
-                <a:solidFill>
-                  <a:srgbClr val="FFFFFF"/>
-                </a:solidFill>
-              </a14:hiddenFill>
-            </a:ext>
-          </a:extLst>
-        </p:spPr>
-      </p:pic>
-      <p:pic>
-        <p:nvPicPr>
-          <p:cNvPr id="1029" name="Picture 27" descr="A picture containing vector graphics&#10;&#10;Description automatically generated">
-            <a:extLst>
-              <a:ext uri="{FF2B5EF4-FFF2-40B4-BE49-F238E27FC236}">
-                <a16:creationId xmlns:a16="http://schemas.microsoft.com/office/drawing/2014/main" id="{7CC0EEAF-8295-490B-947B-71963809E9D4}"/>
-              </a:ext>
-            </a:extLst>
-          </p:cNvPr>
-          <p:cNvPicPr>
-            <a:picLocks noChangeAspect="1" noChangeArrowheads="1"/>
-          </p:cNvPicPr>
-          <p:nvPr/>
-        </p:nvPicPr>
-        <p:blipFill>
-          <a:blip r:embed="rId5">
-            <a:extLst>
-              <a:ext uri="{28A0092B-C50C-407E-A947-70E740481C1C}">
-                <a14:useLocalDpi xmlns:a14="http://schemas.microsoft.com/office/drawing/2010/main" val="0"/>
-              </a:ext>
-            </a:extLst>
-          </a:blip>
-          <a:srcRect/>
-          <a:stretch>
-            <a:fillRect/>
-          </a:stretch>
-        </p:blipFill>
-        <p:spPr bwMode="auto">
-          <a:xfrm>
-            <a:off x="10459247" y="4448292"/>
-            <a:ext cx="770237" cy="780372"/>
-          </a:xfrm>
-          <a:prstGeom prst="rect">
-            <a:avLst/>
-          </a:prstGeom>
-          <a:noFill/>
-          <a:extLst>
-            <a:ext uri="{909E8E84-426E-40DD-AFC4-6F175D3DCCD1}">
-              <a14:hiddenFill xmlns:a14="http://schemas.microsoft.com/office/drawing/2010/main">
-                <a:solidFill>
-                  <a:srgbClr val="FFFFFF"/>
-                </a:solidFill>
-              </a14:hiddenFill>
-            </a:ext>
-          </a:extLst>
-        </p:spPr>
-      </p:pic>
+              <a:t>12. Enjoy!</a:t>
+            </a:r>
+          </a:p>
+        </p:txBody>
+      </p:sp>
     </p:spTree>
     <p:extLst>
       <p:ext uri="{BB962C8B-B14F-4D97-AF65-F5344CB8AC3E}">

--- a/Reference/HelpScene.pptx
+++ b/Reference/HelpScene.pptx
@@ -105,6 +105,11 @@
       </a:defRPr>
     </a:lvl9pPr>
   </p:defaultTextStyle>
+  <p:extLst>
+    <p:ext uri="{EFAFB233-063F-42B5-8137-9DF3F51BA10A}">
+      <p15:sldGuideLst xmlns:p15="http://schemas.microsoft.com/office/powerpoint/2012/main"/>
+    </p:ext>
+  </p:extLst>
 </p:presentation>
 </file>
 
@@ -3494,7 +3499,7 @@
           <p:nvPr/>
         </p:nvPicPr>
         <p:blipFill>
-          <a:blip r:embed="rId3">
+          <a:blip r:embed="rId2">
             <a:extLst>
               <a:ext uri="{28A0092B-C50C-407E-A947-70E740481C1C}">
                 <a14:useLocalDpi xmlns:a14="http://schemas.microsoft.com/office/drawing/2010/main" val="0"/>
@@ -3530,7 +3535,7 @@
           <p:nvPr/>
         </p:nvPicPr>
         <p:blipFill>
-          <a:blip r:embed="rId4">
+          <a:blip r:embed="rId3">
             <a:extLst>
               <a:ext uri="{28A0092B-C50C-407E-A947-70E740481C1C}">
                 <a14:useLocalDpi xmlns:a14="http://schemas.microsoft.com/office/drawing/2010/main" val="0"/>
@@ -3566,7 +3571,7 @@
           <p:nvPr/>
         </p:nvPicPr>
         <p:blipFill>
-          <a:blip r:embed="rId5">
+          <a:blip r:embed="rId4">
             <a:extLst>
               <a:ext uri="{28A0092B-C50C-407E-A947-70E740481C1C}">
                 <a14:useLocalDpi xmlns:a14="http://schemas.microsoft.com/office/drawing/2010/main" val="0"/>
@@ -3602,7 +3607,7 @@
           <p:nvPr/>
         </p:nvPicPr>
         <p:blipFill>
-          <a:blip r:embed="rId6">
+          <a:blip r:embed="rId5">
             <a:extLst>
               <a:ext uri="{28A0092B-C50C-407E-A947-70E740481C1C}">
                 <a14:useLocalDpi xmlns:a14="http://schemas.microsoft.com/office/drawing/2010/main" val="0"/>
@@ -4207,7 +4212,7 @@
           <p:nvPr/>
         </p:nvPicPr>
         <p:blipFill>
-          <a:blip r:embed="rId7">
+          <a:blip r:embed="rId6">
             <a:extLst>
               <a:ext uri="{28A0092B-C50C-407E-A947-70E740481C1C}">
                 <a14:useLocalDpi xmlns:a14="http://schemas.microsoft.com/office/drawing/2010/main" val="0"/>
@@ -4254,7 +4259,7 @@
           <p:nvPr/>
         </p:nvPicPr>
         <p:blipFill>
-          <a:blip r:embed="rId8">
+          <a:blip r:embed="rId7">
             <a:extLst>
               <a:ext uri="{28A0092B-C50C-407E-A947-70E740481C1C}">
                 <a14:useLocalDpi xmlns:a14="http://schemas.microsoft.com/office/drawing/2010/main" val="0"/>
@@ -4301,7 +4306,7 @@
           <p:nvPr/>
         </p:nvPicPr>
         <p:blipFill>
-          <a:blip r:embed="rId9">
+          <a:blip r:embed="rId8">
             <a:extLst>
               <a:ext uri="{28A0092B-C50C-407E-A947-70E740481C1C}">
                 <a14:useLocalDpi xmlns:a14="http://schemas.microsoft.com/office/drawing/2010/main" val="0"/>
@@ -4348,7 +4353,7 @@
           <p:nvPr/>
         </p:nvPicPr>
         <p:blipFill>
-          <a:blip r:embed="rId10">
+          <a:blip r:embed="rId9">
             <a:extLst>
               <a:ext uri="{28A0092B-C50C-407E-A947-70E740481C1C}">
                 <a14:useLocalDpi xmlns:a14="http://schemas.microsoft.com/office/drawing/2010/main" val="0"/>
